--- a/Presentation/20150728_Introduction_to_Adaboost_and_Vehicle_Detection.pptx
+++ b/Presentation/20150728_Introduction_to_Adaboost_and_Vehicle_Detection.pptx
@@ -5,10 +5,10 @@
     <p:sldMasterId id="2147483671" r:id="rId4"/>
   </p:sldMasterIdLst>
   <p:notesMasterIdLst>
-    <p:notesMasterId r:id="rId33"/>
+    <p:notesMasterId r:id="rId34"/>
   </p:notesMasterIdLst>
   <p:handoutMasterIdLst>
-    <p:handoutMasterId r:id="rId34"/>
+    <p:handoutMasterId r:id="rId35"/>
   </p:handoutMasterIdLst>
   <p:sldIdLst>
     <p:sldId id="288" r:id="rId5"/>
@@ -34,11 +34,12 @@
     <p:sldId id="323" r:id="rId25"/>
     <p:sldId id="331" r:id="rId26"/>
     <p:sldId id="354" r:id="rId27"/>
-    <p:sldId id="341" r:id="rId28"/>
-    <p:sldId id="332" r:id="rId29"/>
-    <p:sldId id="337" r:id="rId30"/>
+    <p:sldId id="357" r:id="rId28"/>
+    <p:sldId id="341" r:id="rId29"/>
+    <p:sldId id="332" r:id="rId30"/>
     <p:sldId id="334" r:id="rId31"/>
     <p:sldId id="316" r:id="rId32"/>
+    <p:sldId id="337" r:id="rId33"/>
   </p:sldIdLst>
   <p:sldSz cx="9144000" cy="6858000" type="screen4x3"/>
   <p:notesSz cx="6858000" cy="9144000"/>
@@ -284,7 +285,7 @@
             <a:fld id="{F8252C7F-5FEC-2E4D-80AA-BF666F276660}" type="datetime1">
               <a:rPr lang="en-US" smtClean="0"/>
               <a:pPr/>
-              <a:t>7/21/2015</a:t>
+              <a:t>7/27/2015</a:t>
             </a:fld>
             <a:endParaRPr lang="en-US"/>
           </a:p>
@@ -452,7 +453,7 @@
             <a:fld id="{1939DE02-E791-1340-B4FF-3939EE33ADCD}" type="datetime1">
               <a:rPr lang="en-US" smtClean="0"/>
               <a:pPr/>
-              <a:t>7/21/2015</a:t>
+              <a:t>7/27/2015</a:t>
             </a:fld>
             <a:endParaRPr lang="en-US"/>
           </a:p>
@@ -2126,9 +2127,6 @@
           <a:bodyPr/>
           <a:lstStyle/>
           <a:p>
-            <a:endParaRPr lang="en-US" altLang="zh-TW" dirty="0" smtClean="0"/>
-          </a:p>
-          <a:p>
             <a:endParaRPr lang="zh-TW" altLang="en-US" dirty="0"/>
           </a:p>
         </p:txBody>
@@ -2160,7 +2158,7 @@
     </p:spTree>
     <p:extLst>
       <p:ext uri="{BB962C8B-B14F-4D97-AF65-F5344CB8AC3E}">
-        <p14:creationId xmlns:p14="http://schemas.microsoft.com/office/powerpoint/2010/main" xmlns="" val="2057974675"/>
+        <p14:creationId xmlns="" xmlns:p14="http://schemas.microsoft.com/office/powerpoint/2010/main" val="1976281593"/>
       </p:ext>
     </p:extLst>
   </p:cSld>
@@ -2211,10 +2209,11 @@
         </p:nvSpPr>
         <p:spPr/>
         <p:txBody>
-          <a:bodyPr>
-            <a:normAutofit/>
-          </a:bodyPr>
-          <a:lstStyle/>
+          <a:bodyPr/>
+          <a:lstStyle/>
+          <a:p>
+            <a:endParaRPr lang="en-US" altLang="zh-TW" dirty="0" smtClean="0"/>
+          </a:p>
           <a:p>
             <a:endParaRPr lang="zh-TW" altLang="en-US" dirty="0"/>
           </a:p>
@@ -2247,7 +2246,7 @@
     </p:spTree>
     <p:extLst>
       <p:ext uri="{BB962C8B-B14F-4D97-AF65-F5344CB8AC3E}">
-        <p14:creationId xmlns:p14="http://schemas.microsoft.com/office/powerpoint/2010/main" xmlns="" val="428055402"/>
+        <p14:creationId xmlns:p14="http://schemas.microsoft.com/office/powerpoint/2010/main" xmlns="" val="2057974675"/>
       </p:ext>
     </p:extLst>
   </p:cSld>
@@ -2298,7 +2297,9 @@
         </p:nvSpPr>
         <p:spPr/>
         <p:txBody>
-          <a:bodyPr/>
+          <a:bodyPr>
+            <a:normAutofit/>
+          </a:bodyPr>
           <a:lstStyle/>
           <a:p>
             <a:endParaRPr lang="zh-TW" altLang="en-US" dirty="0"/>
@@ -2332,7 +2333,7 @@
     </p:spTree>
     <p:extLst>
       <p:ext uri="{BB962C8B-B14F-4D97-AF65-F5344CB8AC3E}">
-        <p14:creationId xmlns:p14="http://schemas.microsoft.com/office/powerpoint/2010/main" xmlns="" val="2837476529"/>
+        <p14:creationId xmlns:p14="http://schemas.microsoft.com/office/powerpoint/2010/main" xmlns="" val="428055402"/>
       </p:ext>
     </p:extLst>
   </p:cSld>
@@ -2418,6 +2419,91 @@
     <p:extLst>
       <p:ext uri="{BB962C8B-B14F-4D97-AF65-F5344CB8AC3E}">
         <p14:creationId xmlns:p14="http://schemas.microsoft.com/office/powerpoint/2010/main" xmlns="" val="2871598828"/>
+      </p:ext>
+    </p:extLst>
+  </p:cSld>
+  <p:clrMapOvr>
+    <a:masterClrMapping/>
+  </p:clrMapOvr>
+</p:notes>
+</file>
+
+<file path=ppt/notesSlides/notesSlide28.xml><?xml version="1.0" encoding="utf-8"?>
+<p:notes xmlns:a="http://schemas.openxmlformats.org/drawingml/2006/main" xmlns:r="http://schemas.openxmlformats.org/officeDocument/2006/relationships" xmlns:p="http://schemas.openxmlformats.org/presentationml/2006/main">
+  <p:cSld>
+    <p:spTree>
+      <p:nvGrpSpPr>
+        <p:cNvPr id="1" name=""/>
+        <p:cNvGrpSpPr/>
+        <p:nvPr/>
+      </p:nvGrpSpPr>
+      <p:grpSpPr>
+        <a:xfrm>
+          <a:off x="0" y="0"/>
+          <a:ext cx="0" cy="0"/>
+          <a:chOff x="0" y="0"/>
+          <a:chExt cx="0" cy="0"/>
+        </a:xfrm>
+      </p:grpSpPr>
+      <p:sp>
+        <p:nvSpPr>
+          <p:cNvPr id="2" name="投影片圖像版面配置區 1"/>
+          <p:cNvSpPr>
+            <a:spLocks noGrp="1" noRot="1" noChangeAspect="1"/>
+          </p:cNvSpPr>
+          <p:nvPr>
+            <p:ph type="sldImg"/>
+          </p:nvPr>
+        </p:nvSpPr>
+        <p:spPr/>
+      </p:sp>
+      <p:sp>
+        <p:nvSpPr>
+          <p:cNvPr id="3" name="備忘稿版面配置區 2"/>
+          <p:cNvSpPr>
+            <a:spLocks noGrp="1"/>
+          </p:cNvSpPr>
+          <p:nvPr>
+            <p:ph type="body" idx="1"/>
+          </p:nvPr>
+        </p:nvSpPr>
+        <p:spPr/>
+        <p:txBody>
+          <a:bodyPr/>
+          <a:lstStyle/>
+          <a:p>
+            <a:endParaRPr lang="zh-TW" altLang="en-US" dirty="0"/>
+          </a:p>
+        </p:txBody>
+      </p:sp>
+      <p:sp>
+        <p:nvSpPr>
+          <p:cNvPr id="4" name="投影片編號版面配置區 3"/>
+          <p:cNvSpPr>
+            <a:spLocks noGrp="1"/>
+          </p:cNvSpPr>
+          <p:nvPr>
+            <p:ph type="sldNum" sz="quarter" idx="10"/>
+          </p:nvPr>
+        </p:nvSpPr>
+        <p:spPr/>
+        <p:txBody>
+          <a:bodyPr/>
+          <a:lstStyle/>
+          <a:p>
+            <a:fld id="{E99B2ECF-EB76-B54F-9C26-F0E74F1A8F70}" type="slidenum">
+              <a:rPr lang="en-US" smtClean="0"/>
+              <a:pPr/>
+              <a:t>29</a:t>
+            </a:fld>
+            <a:endParaRPr lang="en-US"/>
+          </a:p>
+        </p:txBody>
+      </p:sp>
+    </p:spTree>
+    <p:extLst>
+      <p:ext uri="{BB962C8B-B14F-4D97-AF65-F5344CB8AC3E}">
+        <p14:creationId xmlns:p14="http://schemas.microsoft.com/office/powerpoint/2010/main" xmlns="" val="2837476529"/>
       </p:ext>
     </p:extLst>
   </p:cSld>
@@ -4766,7 +4852,7 @@
                   </a:schemeClr>
                 </a:solidFill>
               </a:rPr>
-              <a:t>A simple example</a:t>
+              <a:t>A toy example</a:t>
             </a:r>
             <a:endParaRPr lang="en-US" altLang="zh-TW" sz="2400" dirty="0" smtClean="0"/>
           </a:p>
@@ -20252,7 +20338,7 @@
                   </a:schemeClr>
                 </a:solidFill>
               </a:rPr>
-              <a:t>A simple example</a:t>
+              <a:t>A toy example</a:t>
             </a:r>
           </a:p>
           <a:p>
@@ -20358,6 +20444,308 @@
 </file>
 
 <file path=ppt/slides/slide24.xml><?xml version="1.0" encoding="utf-8"?>
+<p:sld xmlns:a="http://schemas.openxmlformats.org/drawingml/2006/main" xmlns:r="http://schemas.openxmlformats.org/officeDocument/2006/relationships" xmlns:p="http://schemas.openxmlformats.org/presentationml/2006/main">
+  <p:cSld>
+    <p:spTree>
+      <p:nvGrpSpPr>
+        <p:cNvPr id="1" name=""/>
+        <p:cNvGrpSpPr/>
+        <p:nvPr/>
+      </p:nvGrpSpPr>
+      <p:grpSpPr>
+        <a:xfrm>
+          <a:off x="0" y="0"/>
+          <a:ext cx="0" cy="0"/>
+          <a:chOff x="0" y="0"/>
+          <a:chExt cx="0" cy="0"/>
+        </a:xfrm>
+      </p:grpSpPr>
+      <p:pic>
+        <p:nvPicPr>
+          <p:cNvPr id="41991" name="Picture 7" descr="D:\ComputerVision\Github\AdaBoostExample\Presentation\Positive.png"/>
+          <p:cNvPicPr>
+            <a:picLocks noChangeAspect="1" noChangeArrowheads="1"/>
+          </p:cNvPicPr>
+          <p:nvPr/>
+        </p:nvPicPr>
+        <p:blipFill>
+          <a:blip r:embed="rId3"/>
+          <a:srcRect/>
+          <a:stretch>
+            <a:fillRect/>
+          </a:stretch>
+        </p:blipFill>
+        <p:spPr bwMode="auto">
+          <a:xfrm>
+            <a:off x="176981" y="997283"/>
+            <a:ext cx="5300151" cy="2650075"/>
+          </a:xfrm>
+          <a:prstGeom prst="rect">
+            <a:avLst/>
+          </a:prstGeom>
+          <a:noFill/>
+        </p:spPr>
+      </p:pic>
+      <p:pic>
+        <p:nvPicPr>
+          <p:cNvPr id="41992" name="Picture 8" descr="D:\ComputerVision\Github\AdaBoostExample\Presentation\Negative.png"/>
+          <p:cNvPicPr>
+            <a:picLocks noChangeAspect="1" noChangeArrowheads="1"/>
+          </p:cNvPicPr>
+          <p:nvPr/>
+        </p:nvPicPr>
+        <p:blipFill>
+          <a:blip r:embed="rId4"/>
+          <a:srcRect/>
+          <a:stretch>
+            <a:fillRect/>
+          </a:stretch>
+        </p:blipFill>
+        <p:spPr bwMode="auto">
+          <a:xfrm>
+            <a:off x="176981" y="3785010"/>
+            <a:ext cx="5300151" cy="2650075"/>
+          </a:xfrm>
+          <a:prstGeom prst="rect">
+            <a:avLst/>
+          </a:prstGeom>
+          <a:noFill/>
+        </p:spPr>
+      </p:pic>
+      <p:sp>
+        <p:nvSpPr>
+          <p:cNvPr id="25" name="Title 3"/>
+          <p:cNvSpPr>
+            <a:spLocks noGrp="1"/>
+          </p:cNvSpPr>
+          <p:nvPr>
+            <p:ph type="title"/>
+          </p:nvPr>
+        </p:nvSpPr>
+        <p:spPr>
+          <a:xfrm>
+            <a:off x="228600" y="228600"/>
+            <a:ext cx="6214843" cy="492443"/>
+          </a:xfrm>
+        </p:spPr>
+        <p:txBody>
+          <a:bodyPr/>
+          <a:lstStyle/>
+          <a:p>
+            <a:pPr marL="342900" indent="-342900"/>
+            <a:r>
+              <a:rPr lang="en-US" altLang="zh-TW" sz="3200" dirty="0" smtClean="0">
+                <a:solidFill>
+                  <a:schemeClr val="tx1"/>
+                </a:solidFill>
+                <a:latin typeface="+mj-lt"/>
+              </a:rPr>
+              <a:t>Learn from label data(supervised)</a:t>
+            </a:r>
+            <a:endParaRPr lang="en-US" altLang="zh-TW" sz="3200" dirty="0">
+              <a:solidFill>
+                <a:schemeClr val="tx1"/>
+              </a:solidFill>
+              <a:latin typeface="+mj-lt"/>
+            </a:endParaRPr>
+          </a:p>
+        </p:txBody>
+      </p:sp>
+      <p:cxnSp>
+        <p:nvCxnSpPr>
+          <p:cNvPr id="6" name="直線單箭頭接點 5"/>
+          <p:cNvCxnSpPr/>
+          <p:nvPr/>
+        </p:nvCxnSpPr>
+        <p:spPr>
+          <a:xfrm>
+            <a:off x="5791200" y="2472267"/>
+            <a:ext cx="956733" cy="0"/>
+          </a:xfrm>
+          <a:prstGeom prst="straightConnector1">
+            <a:avLst/>
+          </a:prstGeom>
+          <a:ln>
+            <a:tailEnd type="arrow"/>
+          </a:ln>
+          <a:effectLst/>
+        </p:spPr>
+        <p:style>
+          <a:lnRef idx="2">
+            <a:schemeClr val="accent1"/>
+          </a:lnRef>
+          <a:fillRef idx="0">
+            <a:schemeClr val="accent1"/>
+          </a:fillRef>
+          <a:effectRef idx="1">
+            <a:schemeClr val="accent1"/>
+          </a:effectRef>
+          <a:fontRef idx="minor">
+            <a:schemeClr val="tx1"/>
+          </a:fontRef>
+        </p:style>
+      </p:cxnSp>
+      <p:sp>
+        <p:nvSpPr>
+          <p:cNvPr id="7" name="矩形 6"/>
+          <p:cNvSpPr/>
+          <p:nvPr/>
+        </p:nvSpPr>
+        <p:spPr>
+          <a:xfrm>
+            <a:off x="6951133" y="2129367"/>
+            <a:ext cx="1490134" cy="685800"/>
+          </a:xfrm>
+          <a:prstGeom prst="rect">
+            <a:avLst/>
+          </a:prstGeom>
+          <a:noFill/>
+          <a:ln w="31750"/>
+          <a:effectLst/>
+        </p:spPr>
+        <p:style>
+          <a:lnRef idx="1">
+            <a:schemeClr val="accent1"/>
+          </a:lnRef>
+          <a:fillRef idx="3">
+            <a:schemeClr val="accent1"/>
+          </a:fillRef>
+          <a:effectRef idx="2">
+            <a:schemeClr val="accent1"/>
+          </a:effectRef>
+          <a:fontRef idx="minor">
+            <a:schemeClr val="lt1"/>
+          </a:fontRef>
+        </p:style>
+        <p:txBody>
+          <a:bodyPr rtlCol="0" anchor="ctr"/>
+          <a:lstStyle/>
+          <a:p>
+            <a:pPr algn="ctr"/>
+            <a:r>
+              <a:rPr lang="en-US" altLang="zh-TW" dirty="0" smtClean="0">
+                <a:solidFill>
+                  <a:schemeClr val="tx1"/>
+                </a:solidFill>
+              </a:rPr>
+              <a:t>Cars</a:t>
+            </a:r>
+            <a:endParaRPr lang="zh-TW" altLang="en-US" dirty="0">
+              <a:solidFill>
+                <a:schemeClr val="tx1"/>
+              </a:solidFill>
+            </a:endParaRPr>
+          </a:p>
+        </p:txBody>
+      </p:sp>
+      <p:cxnSp>
+        <p:nvCxnSpPr>
+          <p:cNvPr id="8" name="直線單箭頭接點 7"/>
+          <p:cNvCxnSpPr/>
+          <p:nvPr/>
+        </p:nvCxnSpPr>
+        <p:spPr>
+          <a:xfrm>
+            <a:off x="5740400" y="4961467"/>
+            <a:ext cx="956733" cy="0"/>
+          </a:xfrm>
+          <a:prstGeom prst="straightConnector1">
+            <a:avLst/>
+          </a:prstGeom>
+          <a:ln>
+            <a:tailEnd type="arrow"/>
+          </a:ln>
+          <a:effectLst/>
+        </p:spPr>
+        <p:style>
+          <a:lnRef idx="2">
+            <a:schemeClr val="accent1"/>
+          </a:lnRef>
+          <a:fillRef idx="0">
+            <a:schemeClr val="accent1"/>
+          </a:fillRef>
+          <a:effectRef idx="1">
+            <a:schemeClr val="accent1"/>
+          </a:effectRef>
+          <a:fontRef idx="minor">
+            <a:schemeClr val="tx1"/>
+          </a:fontRef>
+        </p:style>
+      </p:cxnSp>
+      <p:sp>
+        <p:nvSpPr>
+          <p:cNvPr id="9" name="矩形 8"/>
+          <p:cNvSpPr/>
+          <p:nvPr/>
+        </p:nvSpPr>
+        <p:spPr>
+          <a:xfrm>
+            <a:off x="6951133" y="4618567"/>
+            <a:ext cx="1490134" cy="685800"/>
+          </a:xfrm>
+          <a:prstGeom prst="rect">
+            <a:avLst/>
+          </a:prstGeom>
+          <a:noFill/>
+          <a:ln w="31750"/>
+          <a:effectLst/>
+        </p:spPr>
+        <p:style>
+          <a:lnRef idx="1">
+            <a:schemeClr val="accent1"/>
+          </a:lnRef>
+          <a:fillRef idx="3">
+            <a:schemeClr val="accent1"/>
+          </a:fillRef>
+          <a:effectRef idx="2">
+            <a:schemeClr val="accent1"/>
+          </a:effectRef>
+          <a:fontRef idx="minor">
+            <a:schemeClr val="lt1"/>
+          </a:fontRef>
+        </p:style>
+        <p:txBody>
+          <a:bodyPr rtlCol="0" anchor="ctr"/>
+          <a:lstStyle/>
+          <a:p>
+            <a:pPr algn="ctr"/>
+            <a:r>
+              <a:rPr lang="en-US" altLang="zh-TW" dirty="0" smtClean="0">
+                <a:solidFill>
+                  <a:schemeClr val="tx1"/>
+                </a:solidFill>
+              </a:rPr>
+              <a:t>Background</a:t>
+            </a:r>
+            <a:endParaRPr lang="zh-TW" altLang="en-US" dirty="0">
+              <a:solidFill>
+                <a:schemeClr val="tx1"/>
+              </a:solidFill>
+            </a:endParaRPr>
+          </a:p>
+        </p:txBody>
+      </p:sp>
+    </p:spTree>
+    <p:extLst>
+      <p:ext uri="{BB962C8B-B14F-4D97-AF65-F5344CB8AC3E}">
+        <p14:creationId xmlns="" xmlns:p14="http://schemas.microsoft.com/office/powerpoint/2010/main" val="245424832"/>
+      </p:ext>
+    </p:extLst>
+  </p:cSld>
+  <p:clrMapOvr>
+    <a:masterClrMapping/>
+  </p:clrMapOvr>
+  <p:timing>
+    <p:tnLst>
+      <p:par>
+        <p:cTn id="1" dur="indefinite" restart="never" nodeType="tmRoot"/>
+      </p:par>
+    </p:tnLst>
+  </p:timing>
+</p:sld>
+</file>
+
+<file path=ppt/slides/slide25.xml><?xml version="1.0" encoding="utf-8"?>
 <p:sld xmlns:a="http://schemas.openxmlformats.org/drawingml/2006/main" xmlns:r="http://schemas.openxmlformats.org/officeDocument/2006/relationships" xmlns:p="http://schemas.openxmlformats.org/presentationml/2006/main">
   <p:cSld>
     <p:spTree>
@@ -21712,7 +22100,7 @@
 </p:sld>
 </file>
 
-<file path=ppt/slides/slide25.xml><?xml version="1.0" encoding="utf-8"?>
+<file path=ppt/slides/slide26.xml><?xml version="1.0" encoding="utf-8"?>
 <p:sld xmlns:a="http://schemas.openxmlformats.org/drawingml/2006/main" xmlns:r="http://schemas.openxmlformats.org/officeDocument/2006/relationships" xmlns:p="http://schemas.openxmlformats.org/presentationml/2006/main">
   <p:cSld>
     <p:spTree>
@@ -23246,7 +23634,277 @@
 </p:sld>
 </file>
 
-<file path=ppt/slides/slide26.xml><?xml version="1.0" encoding="utf-8"?>
+<file path=ppt/slides/slide27.xml><?xml version="1.0" encoding="utf-8"?>
+<p:sld xmlns:a="http://schemas.openxmlformats.org/drawingml/2006/main" xmlns:r="http://schemas.openxmlformats.org/officeDocument/2006/relationships" xmlns:p="http://schemas.openxmlformats.org/presentationml/2006/main">
+  <p:cSld>
+    <p:spTree>
+      <p:nvGrpSpPr>
+        <p:cNvPr id="1" name=""/>
+        <p:cNvGrpSpPr/>
+        <p:nvPr/>
+      </p:nvGrpSpPr>
+      <p:grpSpPr>
+        <a:xfrm>
+          <a:off x="0" y="0"/>
+          <a:ext cx="0" cy="0"/>
+          <a:chOff x="0" y="0"/>
+          <a:chExt cx="0" cy="0"/>
+        </a:xfrm>
+      </p:grpSpPr>
+      <p:sp>
+        <p:nvSpPr>
+          <p:cNvPr id="4" name="Title 3"/>
+          <p:cNvSpPr>
+            <a:spLocks noGrp="1"/>
+          </p:cNvSpPr>
+          <p:nvPr>
+            <p:ph type="title"/>
+          </p:nvPr>
+        </p:nvSpPr>
+        <p:spPr>
+          <a:xfrm>
+            <a:off x="228600" y="228600"/>
+            <a:ext cx="2027799" cy="492443"/>
+          </a:xfrm>
+        </p:spPr>
+        <p:txBody>
+          <a:bodyPr/>
+          <a:lstStyle/>
+          <a:p>
+            <a:pPr marL="342900" indent="-342900"/>
+            <a:r>
+              <a:rPr lang="en-US" altLang="zh-TW" sz="3200" dirty="0" smtClean="0">
+                <a:solidFill>
+                  <a:schemeClr val="tx1"/>
+                </a:solidFill>
+                <a:latin typeface="+mj-lt"/>
+              </a:rPr>
+              <a:t>Conclusion</a:t>
+            </a:r>
+            <a:endParaRPr lang="en-US" altLang="zh-TW" sz="3200" dirty="0">
+              <a:solidFill>
+                <a:schemeClr val="tx1"/>
+              </a:solidFill>
+              <a:latin typeface="+mj-lt"/>
+            </a:endParaRPr>
+          </a:p>
+        </p:txBody>
+      </p:sp>
+      <p:sp>
+        <p:nvSpPr>
+          <p:cNvPr id="43" name="Content Placeholder 2"/>
+          <p:cNvSpPr txBox="1">
+            <a:spLocks/>
+          </p:cNvSpPr>
+          <p:nvPr/>
+        </p:nvSpPr>
+        <p:spPr>
+          <a:xfrm>
+            <a:off x="228600" y="986320"/>
+            <a:ext cx="8689622" cy="812530"/>
+          </a:xfrm>
+          <a:prstGeom prst="rect">
+            <a:avLst/>
+          </a:prstGeom>
+        </p:spPr>
+        <p:txBody>
+          <a:bodyPr vert="horz" wrap="square" lIns="0" tIns="0" rIns="0" bIns="0" rtlCol="0">
+            <a:spAutoFit/>
+          </a:bodyPr>
+          <a:lstStyle/>
+          <a:p>
+            <a:pPr marL="742950" indent="-457200">
+              <a:spcBef>
+                <a:spcPct val="20000"/>
+              </a:spcBef>
+              <a:buFont typeface="Wingdings" pitchFamily="2" charset="2"/>
+              <a:buChar char="l"/>
+              <a:defRPr/>
+            </a:pPr>
+            <a:r>
+              <a:rPr lang="en-US" altLang="zh-TW" sz="2400" noProof="0" dirty="0" smtClean="0">
+                <a:latin typeface="Arial"/>
+              </a:rPr>
+              <a:t>Two heads are better than one</a:t>
+            </a:r>
+          </a:p>
+          <a:p>
+            <a:pPr marL="742950" indent="-457200">
+              <a:spcBef>
+                <a:spcPct val="20000"/>
+              </a:spcBef>
+              <a:buFont typeface="Wingdings" pitchFamily="2" charset="2"/>
+              <a:buChar char="l"/>
+              <a:defRPr/>
+            </a:pPr>
+            <a:r>
+              <a:rPr lang="en-US" altLang="zh-TW" sz="2400" noProof="0" dirty="0" smtClean="0">
+                <a:latin typeface="Arial"/>
+              </a:rPr>
+              <a:t>Re-weight data for the </a:t>
+            </a:r>
+            <a:r>
+              <a:rPr lang="en-US" altLang="zh-TW" sz="2400" dirty="0" smtClean="0"/>
+              <a:t>diversity of classifier</a:t>
+            </a:r>
+            <a:endParaRPr kumimoji="0" lang="en-US" altLang="zh-TW" sz="2400" b="0" i="0" u="none" strike="noStrike" kern="1200" cap="none" spc="0" normalizeH="0" dirty="0" smtClean="0">
+              <a:ln>
+                <a:noFill/>
+              </a:ln>
+              <a:solidFill>
+                <a:schemeClr val="tx1"/>
+              </a:solidFill>
+              <a:effectLst/>
+              <a:uLnTx/>
+              <a:uFillTx/>
+              <a:latin typeface="Arial"/>
+              <a:ea typeface="+mn-ea"/>
+              <a:cs typeface="+mn-cs"/>
+            </a:endParaRPr>
+          </a:p>
+        </p:txBody>
+      </p:sp>
+    </p:spTree>
+    <p:extLst>
+      <p:ext uri="{BB962C8B-B14F-4D97-AF65-F5344CB8AC3E}">
+        <p14:creationId xmlns:p14="http://schemas.microsoft.com/office/powerpoint/2010/main" xmlns="" val="2631485282"/>
+      </p:ext>
+    </p:extLst>
+  </p:cSld>
+  <p:clrMapOvr>
+    <a:masterClrMapping/>
+  </p:clrMapOvr>
+  <p:timing>
+    <p:tnLst>
+      <p:par>
+        <p:cTn id="1" dur="indefinite" restart="never" nodeType="tmRoot"/>
+      </p:par>
+    </p:tnLst>
+  </p:timing>
+</p:sld>
+</file>
+
+<file path=ppt/slides/slide28.xml><?xml version="1.0" encoding="utf-8"?>
+<p:sld xmlns:a="http://schemas.openxmlformats.org/drawingml/2006/main" xmlns:r="http://schemas.openxmlformats.org/officeDocument/2006/relationships" xmlns:p="http://schemas.openxmlformats.org/presentationml/2006/main">
+  <p:cSld>
+    <p:spTree>
+      <p:nvGrpSpPr>
+        <p:cNvPr id="1" name=""/>
+        <p:cNvGrpSpPr/>
+        <p:nvPr/>
+      </p:nvGrpSpPr>
+      <p:grpSpPr>
+        <a:xfrm>
+          <a:off x="0" y="0"/>
+          <a:ext cx="0" cy="0"/>
+          <a:chOff x="0" y="0"/>
+          <a:chExt cx="0" cy="0"/>
+        </a:xfrm>
+      </p:grpSpPr>
+      <p:sp>
+        <p:nvSpPr>
+          <p:cNvPr id="2" name="Slide Number Placeholder 1"/>
+          <p:cNvSpPr>
+            <a:spLocks noGrp="1"/>
+          </p:cNvSpPr>
+          <p:nvPr>
+            <p:ph type="sldNum" sz="quarter" idx="10"/>
+          </p:nvPr>
+        </p:nvSpPr>
+        <p:spPr/>
+        <p:txBody>
+          <a:bodyPr/>
+          <a:lstStyle/>
+          <a:p>
+            <a:fld id="{F52E3F39-0206-E343-A815-B0E9B8087364}" type="slidenum">
+              <a:rPr lang="en-US" smtClean="0">
+                <a:latin typeface="+mj-lt"/>
+              </a:rPr>
+              <a:pPr/>
+              <a:t>28</a:t>
+            </a:fld>
+            <a:endParaRPr lang="en-US" dirty="0">
+              <a:latin typeface="+mj-lt"/>
+            </a:endParaRPr>
+          </a:p>
+        </p:txBody>
+      </p:sp>
+      <p:sp>
+        <p:nvSpPr>
+          <p:cNvPr id="6" name="矩形 5"/>
+          <p:cNvSpPr/>
+          <p:nvPr/>
+        </p:nvSpPr>
+        <p:spPr>
+          <a:xfrm>
+            <a:off x="1680882" y="287867"/>
+            <a:ext cx="5715000" cy="4432051"/>
+          </a:xfrm>
+          <a:prstGeom prst="rect">
+            <a:avLst/>
+          </a:prstGeom>
+          <a:noFill/>
+          <a:ln>
+            <a:noFill/>
+          </a:ln>
+          <a:effectLst/>
+        </p:spPr>
+        <p:style>
+          <a:lnRef idx="1">
+            <a:schemeClr val="accent1"/>
+          </a:lnRef>
+          <a:fillRef idx="3">
+            <a:schemeClr val="accent1"/>
+          </a:fillRef>
+          <a:effectRef idx="2">
+            <a:schemeClr val="accent1"/>
+          </a:effectRef>
+          <a:fontRef idx="minor">
+            <a:schemeClr val="lt1"/>
+          </a:fontRef>
+        </p:style>
+        <p:txBody>
+          <a:bodyPr rtlCol="0" anchor="ctr"/>
+          <a:lstStyle/>
+          <a:p>
+            <a:pPr algn="ctr"/>
+            <a:r>
+              <a:rPr lang="en-US" altLang="zh-TW" sz="7200" dirty="0" smtClean="0">
+                <a:solidFill>
+                  <a:schemeClr val="tx1"/>
+                </a:solidFill>
+              </a:rPr>
+              <a:t>Thanks</a:t>
+            </a:r>
+            <a:endParaRPr lang="zh-TW" altLang="en-US" sz="7200" dirty="0">
+              <a:solidFill>
+                <a:schemeClr val="tx1"/>
+              </a:solidFill>
+            </a:endParaRPr>
+          </a:p>
+        </p:txBody>
+      </p:sp>
+    </p:spTree>
+    <p:extLst>
+      <p:ext uri="{BB962C8B-B14F-4D97-AF65-F5344CB8AC3E}">
+        <p14:creationId xmlns:p14="http://schemas.microsoft.com/office/powerpoint/2010/main" xmlns="" val="3598067464"/>
+      </p:ext>
+    </p:extLst>
+  </p:cSld>
+  <p:clrMapOvr>
+    <a:masterClrMapping/>
+  </p:clrMapOvr>
+  <p:timing>
+    <p:tnLst>
+      <p:par>
+        <p:cTn id="1" dur="indefinite" restart="never" nodeType="tmRoot"/>
+      </p:par>
+    </p:tnLst>
+  </p:timing>
+</p:sld>
+</file>
+
+<file path=ppt/slides/slide29.xml><?xml version="1.0" encoding="utf-8"?>
 <p:sld xmlns:a="http://schemas.openxmlformats.org/drawingml/2006/main" xmlns:r="http://schemas.openxmlformats.org/officeDocument/2006/relationships" xmlns:p="http://schemas.openxmlformats.org/presentationml/2006/main">
   <p:cSld>
     <p:spTree>
@@ -25821,276 +26479,6 @@
 </p:sld>
 </file>
 
-<file path=ppt/slides/slide27.xml><?xml version="1.0" encoding="utf-8"?>
-<p:sld xmlns:a="http://schemas.openxmlformats.org/drawingml/2006/main" xmlns:r="http://schemas.openxmlformats.org/officeDocument/2006/relationships" xmlns:p="http://schemas.openxmlformats.org/presentationml/2006/main">
-  <p:cSld>
-    <p:spTree>
-      <p:nvGrpSpPr>
-        <p:cNvPr id="1" name=""/>
-        <p:cNvGrpSpPr/>
-        <p:nvPr/>
-      </p:nvGrpSpPr>
-      <p:grpSpPr>
-        <a:xfrm>
-          <a:off x="0" y="0"/>
-          <a:ext cx="0" cy="0"/>
-          <a:chOff x="0" y="0"/>
-          <a:chExt cx="0" cy="0"/>
-        </a:xfrm>
-      </p:grpSpPr>
-      <p:sp>
-        <p:nvSpPr>
-          <p:cNvPr id="4" name="Title 3"/>
-          <p:cNvSpPr>
-            <a:spLocks noGrp="1"/>
-          </p:cNvSpPr>
-          <p:nvPr>
-            <p:ph type="title"/>
-          </p:nvPr>
-        </p:nvSpPr>
-        <p:spPr>
-          <a:xfrm>
-            <a:off x="228600" y="228600"/>
-            <a:ext cx="2027799" cy="492443"/>
-          </a:xfrm>
-        </p:spPr>
-        <p:txBody>
-          <a:bodyPr/>
-          <a:lstStyle/>
-          <a:p>
-            <a:pPr marL="342900" indent="-342900"/>
-            <a:r>
-              <a:rPr lang="en-US" altLang="zh-TW" sz="3200" dirty="0" smtClean="0">
-                <a:solidFill>
-                  <a:schemeClr val="tx1"/>
-                </a:solidFill>
-                <a:latin typeface="+mj-lt"/>
-              </a:rPr>
-              <a:t>Conclusion</a:t>
-            </a:r>
-            <a:endParaRPr lang="en-US" altLang="zh-TW" sz="3200" dirty="0">
-              <a:solidFill>
-                <a:schemeClr val="tx1"/>
-              </a:solidFill>
-              <a:latin typeface="+mj-lt"/>
-            </a:endParaRPr>
-          </a:p>
-        </p:txBody>
-      </p:sp>
-      <p:sp>
-        <p:nvSpPr>
-          <p:cNvPr id="43" name="Content Placeholder 2"/>
-          <p:cNvSpPr txBox="1">
-            <a:spLocks/>
-          </p:cNvSpPr>
-          <p:nvPr/>
-        </p:nvSpPr>
-        <p:spPr>
-          <a:xfrm>
-            <a:off x="228600" y="986320"/>
-            <a:ext cx="8689622" cy="812530"/>
-          </a:xfrm>
-          <a:prstGeom prst="rect">
-            <a:avLst/>
-          </a:prstGeom>
-        </p:spPr>
-        <p:txBody>
-          <a:bodyPr vert="horz" wrap="square" lIns="0" tIns="0" rIns="0" bIns="0" rtlCol="0">
-            <a:spAutoFit/>
-          </a:bodyPr>
-          <a:lstStyle/>
-          <a:p>
-            <a:pPr marL="742950" indent="-457200">
-              <a:spcBef>
-                <a:spcPct val="20000"/>
-              </a:spcBef>
-              <a:buFont typeface="Wingdings" pitchFamily="2" charset="2"/>
-              <a:buChar char="l"/>
-              <a:defRPr/>
-            </a:pPr>
-            <a:r>
-              <a:rPr lang="en-US" altLang="zh-TW" sz="2400" noProof="0" dirty="0" smtClean="0">
-                <a:latin typeface="Arial"/>
-              </a:rPr>
-              <a:t>Two heads are better than one</a:t>
-            </a:r>
-          </a:p>
-          <a:p>
-            <a:pPr marL="742950" indent="-457200">
-              <a:spcBef>
-                <a:spcPct val="20000"/>
-              </a:spcBef>
-              <a:buFont typeface="Wingdings" pitchFamily="2" charset="2"/>
-              <a:buChar char="l"/>
-              <a:defRPr/>
-            </a:pPr>
-            <a:r>
-              <a:rPr lang="en-US" altLang="zh-TW" sz="2400" noProof="0" dirty="0" smtClean="0">
-                <a:latin typeface="Arial"/>
-              </a:rPr>
-              <a:t>Re-weight data for the </a:t>
-            </a:r>
-            <a:r>
-              <a:rPr lang="en-US" altLang="zh-TW" sz="2400" dirty="0" smtClean="0"/>
-              <a:t>diversity of classifier</a:t>
-            </a:r>
-            <a:endParaRPr kumimoji="0" lang="en-US" altLang="zh-TW" sz="2400" b="0" i="0" u="none" strike="noStrike" kern="1200" cap="none" spc="0" normalizeH="0" dirty="0" smtClean="0">
-              <a:ln>
-                <a:noFill/>
-              </a:ln>
-              <a:solidFill>
-                <a:schemeClr val="tx1"/>
-              </a:solidFill>
-              <a:effectLst/>
-              <a:uLnTx/>
-              <a:uFillTx/>
-              <a:latin typeface="Arial"/>
-              <a:ea typeface="+mn-ea"/>
-              <a:cs typeface="+mn-cs"/>
-            </a:endParaRPr>
-          </a:p>
-        </p:txBody>
-      </p:sp>
-    </p:spTree>
-    <p:extLst>
-      <p:ext uri="{BB962C8B-B14F-4D97-AF65-F5344CB8AC3E}">
-        <p14:creationId xmlns:p14="http://schemas.microsoft.com/office/powerpoint/2010/main" xmlns="" val="2631485282"/>
-      </p:ext>
-    </p:extLst>
-  </p:cSld>
-  <p:clrMapOvr>
-    <a:masterClrMapping/>
-  </p:clrMapOvr>
-  <p:timing>
-    <p:tnLst>
-      <p:par>
-        <p:cTn id="1" dur="indefinite" restart="never" nodeType="tmRoot"/>
-      </p:par>
-    </p:tnLst>
-  </p:timing>
-</p:sld>
-</file>
-
-<file path=ppt/slides/slide28.xml><?xml version="1.0" encoding="utf-8"?>
-<p:sld xmlns:a="http://schemas.openxmlformats.org/drawingml/2006/main" xmlns:r="http://schemas.openxmlformats.org/officeDocument/2006/relationships" xmlns:p="http://schemas.openxmlformats.org/presentationml/2006/main">
-  <p:cSld>
-    <p:spTree>
-      <p:nvGrpSpPr>
-        <p:cNvPr id="1" name=""/>
-        <p:cNvGrpSpPr/>
-        <p:nvPr/>
-      </p:nvGrpSpPr>
-      <p:grpSpPr>
-        <a:xfrm>
-          <a:off x="0" y="0"/>
-          <a:ext cx="0" cy="0"/>
-          <a:chOff x="0" y="0"/>
-          <a:chExt cx="0" cy="0"/>
-        </a:xfrm>
-      </p:grpSpPr>
-      <p:sp>
-        <p:nvSpPr>
-          <p:cNvPr id="2" name="Slide Number Placeholder 1"/>
-          <p:cNvSpPr>
-            <a:spLocks noGrp="1"/>
-          </p:cNvSpPr>
-          <p:nvPr>
-            <p:ph type="sldNum" sz="quarter" idx="10"/>
-          </p:nvPr>
-        </p:nvSpPr>
-        <p:spPr/>
-        <p:txBody>
-          <a:bodyPr/>
-          <a:lstStyle/>
-          <a:p>
-            <a:fld id="{F52E3F39-0206-E343-A815-B0E9B8087364}" type="slidenum">
-              <a:rPr lang="en-US" smtClean="0">
-                <a:latin typeface="+mj-lt"/>
-              </a:rPr>
-              <a:pPr/>
-              <a:t>28</a:t>
-            </a:fld>
-            <a:endParaRPr lang="en-US" dirty="0">
-              <a:latin typeface="+mj-lt"/>
-            </a:endParaRPr>
-          </a:p>
-        </p:txBody>
-      </p:sp>
-      <p:sp>
-        <p:nvSpPr>
-          <p:cNvPr id="6" name="矩形 5"/>
-          <p:cNvSpPr/>
-          <p:nvPr/>
-        </p:nvSpPr>
-        <p:spPr>
-          <a:xfrm>
-            <a:off x="1680882" y="287867"/>
-            <a:ext cx="5715000" cy="4432051"/>
-          </a:xfrm>
-          <a:prstGeom prst="rect">
-            <a:avLst/>
-          </a:prstGeom>
-          <a:noFill/>
-          <a:ln>
-            <a:noFill/>
-          </a:ln>
-          <a:effectLst/>
-        </p:spPr>
-        <p:style>
-          <a:lnRef idx="1">
-            <a:schemeClr val="accent1"/>
-          </a:lnRef>
-          <a:fillRef idx="3">
-            <a:schemeClr val="accent1"/>
-          </a:fillRef>
-          <a:effectRef idx="2">
-            <a:schemeClr val="accent1"/>
-          </a:effectRef>
-          <a:fontRef idx="minor">
-            <a:schemeClr val="lt1"/>
-          </a:fontRef>
-        </p:style>
-        <p:txBody>
-          <a:bodyPr rtlCol="0" anchor="ctr"/>
-          <a:lstStyle/>
-          <a:p>
-            <a:pPr algn="ctr"/>
-            <a:r>
-              <a:rPr lang="en-US" altLang="zh-TW" sz="7200" dirty="0" smtClean="0">
-                <a:solidFill>
-                  <a:schemeClr val="tx1"/>
-                </a:solidFill>
-              </a:rPr>
-              <a:t>Thanks</a:t>
-            </a:r>
-            <a:endParaRPr lang="zh-TW" altLang="en-US" sz="7200" dirty="0">
-              <a:solidFill>
-                <a:schemeClr val="tx1"/>
-              </a:solidFill>
-            </a:endParaRPr>
-          </a:p>
-        </p:txBody>
-      </p:sp>
-    </p:spTree>
-    <p:extLst>
-      <p:ext uri="{BB962C8B-B14F-4D97-AF65-F5344CB8AC3E}">
-        <p14:creationId xmlns:p14="http://schemas.microsoft.com/office/powerpoint/2010/main" xmlns="" val="3598067464"/>
-      </p:ext>
-    </p:extLst>
-  </p:cSld>
-  <p:clrMapOvr>
-    <a:masterClrMapping/>
-  </p:clrMapOvr>
-  <p:timing>
-    <p:tnLst>
-      <p:par>
-        <p:cTn id="1" dur="indefinite" restart="never" nodeType="tmRoot"/>
-      </p:par>
-    </p:tnLst>
-  </p:timing>
-</p:sld>
-</file>
-
 <file path=ppt/slides/slide3.xml><?xml version="1.0" encoding="utf-8"?>
 <p:sld xmlns:a="http://schemas.openxmlformats.org/drawingml/2006/main" xmlns:r="http://schemas.openxmlformats.org/officeDocument/2006/relationships" xmlns:p="http://schemas.openxmlformats.org/presentationml/2006/main">
   <p:cSld>
@@ -30556,15 +30944,7 @@
                   <a:schemeClr val="tx1"/>
                 </a:solidFill>
               </a:rPr>
-              <a:t>Rule 1: </a:t>
-            </a:r>
-            <a:r>
-              <a:rPr lang="en-US" altLang="zh-TW" dirty="0" smtClean="0">
-                <a:solidFill>
-                  <a:schemeClr val="tx1"/>
-                </a:solidFill>
-              </a:rPr>
-              <a:t>Yellow</a:t>
+              <a:t>Rule 1: Yellow</a:t>
             </a:r>
             <a:r>
               <a:rPr lang="en-US" altLang="zh-TW" dirty="0" smtClean="0">
@@ -30626,15 +31006,7 @@
                   <a:schemeClr val="tx1"/>
                 </a:solidFill>
               </a:rPr>
-              <a:t>Rule 2: </a:t>
-            </a:r>
-            <a:r>
-              <a:rPr lang="en-US" altLang="zh-TW" dirty="0" smtClean="0">
-                <a:solidFill>
-                  <a:schemeClr val="tx1"/>
-                </a:solidFill>
-              </a:rPr>
-              <a:t>Green</a:t>
+              <a:t>Rule 2: Green</a:t>
             </a:r>
             <a:r>
               <a:rPr lang="en-US" altLang="zh-TW" dirty="0" smtClean="0">
@@ -30696,15 +31068,7 @@
                   <a:schemeClr val="tx1"/>
                 </a:solidFill>
               </a:rPr>
-              <a:t>Rule 3: </a:t>
-            </a:r>
-            <a:r>
-              <a:rPr lang="en-US" altLang="zh-TW" dirty="0" smtClean="0">
-                <a:solidFill>
-                  <a:schemeClr val="tx1"/>
-                </a:solidFill>
-              </a:rPr>
-              <a:t>Elongated</a:t>
+              <a:t>Rule 3: Elongated</a:t>
             </a:r>
             <a:endParaRPr lang="zh-TW" altLang="en-US" dirty="0">
               <a:solidFill>
@@ -30758,15 +31122,7 @@
                   <a:schemeClr val="tx1"/>
                 </a:solidFill>
               </a:rPr>
-              <a:t>Rule 4: </a:t>
-            </a:r>
-            <a:r>
-              <a:rPr lang="en-US" altLang="zh-TW" dirty="0" smtClean="0">
-                <a:solidFill>
-                  <a:schemeClr val="tx1"/>
-                </a:solidFill>
-              </a:rPr>
-              <a:t>Spots</a:t>
+              <a:t>Rule 4: Spots</a:t>
             </a:r>
             <a:r>
               <a:rPr lang="en-US" altLang="zh-TW" dirty="0" smtClean="0">
